--- a/src/main/resources/models/CertificateNR6.pptx
+++ b/src/main/resources/models/CertificateNR6.pptx
@@ -198,7 +198,7 @@
           <a:p>
             <a:fld id="{9D69D760-9AAE-4DFE-84ED-C4A08DE11879}" type="datetimeFigureOut">
               <a:rPr lang="pt-BR" smtClean="0"/>
-              <a:t>03/02/2025</a:t>
+              <a:t>24/04/2025</a:t>
             </a:fld>
             <a:endParaRPr lang="pt-BR"/>
           </a:p>
@@ -597,7 +597,7 @@
           <a:p>
             <a:fld id="{CB17185E-A7B6-4047-92FE-65E097B09686}" type="datetimeFigureOut">
               <a:rPr lang="pt-BR" smtClean="0"/>
-              <a:t>03/02/2025</a:t>
+              <a:t>24/04/2025</a:t>
             </a:fld>
             <a:endParaRPr lang="pt-BR"/>
           </a:p>
@@ -767,7 +767,7 @@
           <a:p>
             <a:fld id="{CB17185E-A7B6-4047-92FE-65E097B09686}" type="datetimeFigureOut">
               <a:rPr lang="pt-BR" smtClean="0"/>
-              <a:t>03/02/2025</a:t>
+              <a:t>24/04/2025</a:t>
             </a:fld>
             <a:endParaRPr lang="pt-BR"/>
           </a:p>
@@ -947,7 +947,7 @@
           <a:p>
             <a:fld id="{CB17185E-A7B6-4047-92FE-65E097B09686}" type="datetimeFigureOut">
               <a:rPr lang="pt-BR" smtClean="0"/>
-              <a:t>03/02/2025</a:t>
+              <a:t>24/04/2025</a:t>
             </a:fld>
             <a:endParaRPr lang="pt-BR"/>
           </a:p>
@@ -1117,7 +1117,7 @@
           <a:p>
             <a:fld id="{CB17185E-A7B6-4047-92FE-65E097B09686}" type="datetimeFigureOut">
               <a:rPr lang="pt-BR" smtClean="0"/>
-              <a:t>03/02/2025</a:t>
+              <a:t>24/04/2025</a:t>
             </a:fld>
             <a:endParaRPr lang="pt-BR"/>
           </a:p>
@@ -1363,7 +1363,7 @@
           <a:p>
             <a:fld id="{CB17185E-A7B6-4047-92FE-65E097B09686}" type="datetimeFigureOut">
               <a:rPr lang="pt-BR" smtClean="0"/>
-              <a:t>03/02/2025</a:t>
+              <a:t>24/04/2025</a:t>
             </a:fld>
             <a:endParaRPr lang="pt-BR"/>
           </a:p>
@@ -1595,7 +1595,7 @@
           <a:p>
             <a:fld id="{CB17185E-A7B6-4047-92FE-65E097B09686}" type="datetimeFigureOut">
               <a:rPr lang="pt-BR" smtClean="0"/>
-              <a:t>03/02/2025</a:t>
+              <a:t>24/04/2025</a:t>
             </a:fld>
             <a:endParaRPr lang="pt-BR"/>
           </a:p>
@@ -1962,7 +1962,7 @@
           <a:p>
             <a:fld id="{CB17185E-A7B6-4047-92FE-65E097B09686}" type="datetimeFigureOut">
               <a:rPr lang="pt-BR" smtClean="0"/>
-              <a:t>03/02/2025</a:t>
+              <a:t>24/04/2025</a:t>
             </a:fld>
             <a:endParaRPr lang="pt-BR"/>
           </a:p>
@@ -2080,7 +2080,7 @@
           <a:p>
             <a:fld id="{CB17185E-A7B6-4047-92FE-65E097B09686}" type="datetimeFigureOut">
               <a:rPr lang="pt-BR" smtClean="0"/>
-              <a:t>03/02/2025</a:t>
+              <a:t>24/04/2025</a:t>
             </a:fld>
             <a:endParaRPr lang="pt-BR"/>
           </a:p>
@@ -2175,7 +2175,7 @@
           <a:p>
             <a:fld id="{CB17185E-A7B6-4047-92FE-65E097B09686}" type="datetimeFigureOut">
               <a:rPr lang="pt-BR" smtClean="0"/>
-              <a:t>03/02/2025</a:t>
+              <a:t>24/04/2025</a:t>
             </a:fld>
             <a:endParaRPr lang="pt-BR"/>
           </a:p>
@@ -2452,7 +2452,7 @@
           <a:p>
             <a:fld id="{CB17185E-A7B6-4047-92FE-65E097B09686}" type="datetimeFigureOut">
               <a:rPr lang="pt-BR" smtClean="0"/>
-              <a:t>03/02/2025</a:t>
+              <a:t>24/04/2025</a:t>
             </a:fld>
             <a:endParaRPr lang="pt-BR"/>
           </a:p>
@@ -2705,7 +2705,7 @@
           <a:p>
             <a:fld id="{CB17185E-A7B6-4047-92FE-65E097B09686}" type="datetimeFigureOut">
               <a:rPr lang="pt-BR" smtClean="0"/>
-              <a:t>03/02/2025</a:t>
+              <a:t>24/04/2025</a:t>
             </a:fld>
             <a:endParaRPr lang="pt-BR"/>
           </a:p>
@@ -2918,7 +2918,7 @@
           <a:p>
             <a:fld id="{CB17185E-A7B6-4047-92FE-65E097B09686}" type="datetimeFigureOut">
               <a:rPr lang="pt-BR" smtClean="0"/>
-              <a:t>03/02/2025</a:t>
+              <a:t>24/04/2025</a:t>
             </a:fld>
             <a:endParaRPr lang="pt-BR"/>
           </a:p>
@@ -3752,31 +3752,25 @@
               <a:rPr lang="pt-BR" altLang="pt-BR" b="1" dirty="0" smtClean="0">
                 <a:latin typeface="Arial" panose="020B0604020202020204" pitchFamily="34" charset="0"/>
               </a:rPr>
-              <a:t>{{NOME}}</a:t>
+              <a:t>{{NOME</a:t>
+            </a:r>
+            <a:r>
+              <a:rPr lang="pt-BR" altLang="pt-BR" b="1" dirty="0" smtClean="0">
+                <a:latin typeface="Arial" panose="020B0604020202020204" pitchFamily="34" charset="0"/>
+              </a:rPr>
+              <a:t>}}</a:t>
             </a:r>
             <a:r>
               <a:rPr lang="pt-BR" altLang="pt-BR" dirty="0" smtClean="0">
                 <a:latin typeface="Arial" panose="020B0604020202020204" pitchFamily="34" charset="0"/>
               </a:rPr>
-              <a:t>, </a:t>
-            </a:r>
-            <a:r>
-              <a:rPr lang="pt-BR" altLang="pt-BR" dirty="0">
+              <a:t>, portador </a:t>
+            </a:r>
+            <a:r>
+              <a:rPr lang="pt-BR" altLang="pt-BR" smtClean="0">
                 <a:latin typeface="Arial" panose="020B0604020202020204" pitchFamily="34" charset="0"/>
               </a:rPr>
-              <a:t>portador do RG </a:t>
-            </a:r>
-            <a:r>
-              <a:rPr lang="pt-BR" altLang="pt-BR" dirty="0" smtClean="0">
-                <a:latin typeface="Arial" panose="020B0604020202020204" pitchFamily="34" charset="0"/>
-              </a:rPr>
-              <a:t>nº {{RG}} </a:t>
-            </a:r>
-            <a:r>
-              <a:rPr lang="pt-BR" altLang="pt-BR" dirty="0">
-                <a:latin typeface="Arial" panose="020B0604020202020204" pitchFamily="34" charset="0"/>
-              </a:rPr>
-              <a:t>e CPF </a:t>
+              <a:t>do CPF </a:t>
             </a:r>
             <a:r>
               <a:rPr lang="pt-BR" altLang="pt-BR" dirty="0" smtClean="0">
